--- a/Final Project Presentation.pptx
+++ b/Final Project Presentation.pptx
@@ -124,7 +124,7 @@
 <file path=ppt/revisionInfo.xml><?xml version="1.0" encoding="utf-8"?>
 <p1510:revInfo xmlns:a="http://schemas.openxmlformats.org/drawingml/2006/main" xmlns:r="http://schemas.openxmlformats.org/officeDocument/2006/relationships" xmlns:p1510="http://schemas.microsoft.com/office/powerpoint/2015/10/main">
   <p1510:revLst>
-    <p1510:client id="{6B47D55C-2EB6-45DF-B5F6-CBB8C3A67815}" v="28" dt="2023-03-26T14:31:04.017"/>
+    <p1510:client id="{6B47D55C-2EB6-45DF-B5F6-CBB8C3A67815}" v="37" dt="2023-03-26T15:17:56.696"/>
   </p1510:revLst>
 </p1510:revInfo>
 </file>
@@ -134,27 +134,138 @@
   <pc:docChgLst>
     <pc:chgData name="Adam J" userId="8bf0e6d6bf684d42" providerId="LiveId" clId="{6B47D55C-2EB6-45DF-B5F6-CBB8C3A67815}"/>
     <pc:docChg chg="undo custSel addSld delSld modSld sldOrd">
-      <pc:chgData name="Adam J" userId="8bf0e6d6bf684d42" providerId="LiveId" clId="{6B47D55C-2EB6-45DF-B5F6-CBB8C3A67815}" dt="2023-03-26T14:32:53.003" v="1059" actId="113"/>
+      <pc:chgData name="Adam J" userId="8bf0e6d6bf684d42" providerId="LiveId" clId="{6B47D55C-2EB6-45DF-B5F6-CBB8C3A67815}" dt="2023-03-26T15:19:11.681" v="1084" actId="14100"/>
       <pc:docMkLst>
         <pc:docMk/>
       </pc:docMkLst>
-      <pc:sldChg chg="modSp mod">
-        <pc:chgData name="Adam J" userId="8bf0e6d6bf684d42" providerId="LiveId" clId="{6B47D55C-2EB6-45DF-B5F6-CBB8C3A67815}" dt="2023-03-26T14:05:51.993" v="21" actId="255"/>
+      <pc:sldChg chg="addSp delSp modSp mod setBg">
+        <pc:chgData name="Adam J" userId="8bf0e6d6bf684d42" providerId="LiveId" clId="{6B47D55C-2EB6-45DF-B5F6-CBB8C3A67815}" dt="2023-03-26T15:18:38.879" v="1082" actId="207"/>
         <pc:sldMkLst>
           <pc:docMk/>
           <pc:sldMk cId="109857222" sldId="256"/>
         </pc:sldMkLst>
         <pc:spChg chg="mod">
-          <ac:chgData name="Adam J" userId="8bf0e6d6bf684d42" providerId="LiveId" clId="{6B47D55C-2EB6-45DF-B5F6-CBB8C3A67815}" dt="2023-03-26T14:05:51.993" v="21" actId="255"/>
+          <ac:chgData name="Adam J" userId="8bf0e6d6bf684d42" providerId="LiveId" clId="{6B47D55C-2EB6-45DF-B5F6-CBB8C3A67815}" dt="2023-03-26T15:18:30.743" v="1081" actId="207"/>
           <ac:spMkLst>
             <pc:docMk/>
             <pc:sldMk cId="109857222" sldId="256"/>
             <ac:spMk id="2" creationId="{00000000-0000-0000-0000-000000000000}"/>
           </ac:spMkLst>
         </pc:spChg>
+        <pc:spChg chg="mod">
+          <ac:chgData name="Adam J" userId="8bf0e6d6bf684d42" providerId="LiveId" clId="{6B47D55C-2EB6-45DF-B5F6-CBB8C3A67815}" dt="2023-03-26T15:18:38.879" v="1082" actId="207"/>
+          <ac:spMkLst>
+            <pc:docMk/>
+            <pc:sldMk cId="109857222" sldId="256"/>
+            <ac:spMk id="3" creationId="{00000000-0000-0000-0000-000000000000}"/>
+          </ac:spMkLst>
+        </pc:spChg>
+        <pc:spChg chg="add del">
+          <ac:chgData name="Adam J" userId="8bf0e6d6bf684d42" providerId="LiveId" clId="{6B47D55C-2EB6-45DF-B5F6-CBB8C3A67815}" dt="2023-03-26T15:17:50.323" v="1070" actId="26606"/>
+          <ac:spMkLst>
+            <pc:docMk/>
+            <pc:sldMk cId="109857222" sldId="256"/>
+            <ac:spMk id="10" creationId="{AE220058-3FCE-496E-ADF2-D8A6961F39F6}"/>
+          </ac:spMkLst>
+        </pc:spChg>
+        <pc:spChg chg="add del">
+          <ac:chgData name="Adam J" userId="8bf0e6d6bf684d42" providerId="LiveId" clId="{6B47D55C-2EB6-45DF-B5F6-CBB8C3A67815}" dt="2023-03-26T15:17:50.323" v="1070" actId="26606"/>
+          <ac:spMkLst>
+            <pc:docMk/>
+            <pc:sldMk cId="109857222" sldId="256"/>
+            <ac:spMk id="14" creationId="{3E9C5090-7D25-41E3-A6D3-CCAEE505E785}"/>
+          </ac:spMkLst>
+        </pc:spChg>
+        <pc:spChg chg="add del">
+          <ac:chgData name="Adam J" userId="8bf0e6d6bf684d42" providerId="LiveId" clId="{6B47D55C-2EB6-45DF-B5F6-CBB8C3A67815}" dt="2023-03-26T15:17:50.323" v="1070" actId="26606"/>
+          <ac:spMkLst>
+            <pc:docMk/>
+            <pc:sldMk cId="109857222" sldId="256"/>
+            <ac:spMk id="16" creationId="{11BF8809-0DAC-41E5-A212-ACB4A01BE95B}"/>
+          </ac:spMkLst>
+        </pc:spChg>
+        <pc:spChg chg="add">
+          <ac:chgData name="Adam J" userId="8bf0e6d6bf684d42" providerId="LiveId" clId="{6B47D55C-2EB6-45DF-B5F6-CBB8C3A67815}" dt="2023-03-26T15:17:50.323" v="1070" actId="26606"/>
+          <ac:spMkLst>
+            <pc:docMk/>
+            <pc:sldMk cId="109857222" sldId="256"/>
+            <ac:spMk id="21" creationId="{AE220058-3FCE-496E-ADF2-D8A6961F39F6}"/>
+          </ac:spMkLst>
+        </pc:spChg>
+        <pc:spChg chg="add">
+          <ac:chgData name="Adam J" userId="8bf0e6d6bf684d42" providerId="LiveId" clId="{6B47D55C-2EB6-45DF-B5F6-CBB8C3A67815}" dt="2023-03-26T15:17:50.323" v="1070" actId="26606"/>
+          <ac:spMkLst>
+            <pc:docMk/>
+            <pc:sldMk cId="109857222" sldId="256"/>
+            <ac:spMk id="25" creationId="{3E9C5090-7D25-41E3-A6D3-CCAEE505E785}"/>
+          </ac:spMkLst>
+        </pc:spChg>
+        <pc:spChg chg="add">
+          <ac:chgData name="Adam J" userId="8bf0e6d6bf684d42" providerId="LiveId" clId="{6B47D55C-2EB6-45DF-B5F6-CBB8C3A67815}" dt="2023-03-26T15:17:50.323" v="1070" actId="26606"/>
+          <ac:spMkLst>
+            <pc:docMk/>
+            <pc:sldMk cId="109857222" sldId="256"/>
+            <ac:spMk id="27" creationId="{11BF8809-0DAC-41E5-A212-ACB4A01BE95B}"/>
+          </ac:spMkLst>
+        </pc:spChg>
+        <pc:picChg chg="add mod">
+          <ac:chgData name="Adam J" userId="8bf0e6d6bf684d42" providerId="LiveId" clId="{6B47D55C-2EB6-45DF-B5F6-CBB8C3A67815}" dt="2023-03-26T15:17:50.323" v="1070" actId="26606"/>
+          <ac:picMkLst>
+            <pc:docMk/>
+            <pc:sldMk cId="109857222" sldId="256"/>
+            <ac:picMk id="5" creationId="{43DC1E07-8A58-BD22-D85A-26534A6E7D4D}"/>
+          </ac:picMkLst>
+        </pc:picChg>
+        <pc:picChg chg="add del">
+          <ac:chgData name="Adam J" userId="8bf0e6d6bf684d42" providerId="LiveId" clId="{6B47D55C-2EB6-45DF-B5F6-CBB8C3A67815}" dt="2023-03-26T15:17:32.256" v="1067" actId="478"/>
+          <ac:picMkLst>
+            <pc:docMk/>
+            <pc:sldMk cId="109857222" sldId="256"/>
+            <ac:picMk id="7" creationId="{9E021882-6CE1-1BB9-0EAB-3BA73CFB1606}"/>
+          </ac:picMkLst>
+        </pc:picChg>
+        <pc:picChg chg="add mod ord">
+          <ac:chgData name="Adam J" userId="8bf0e6d6bf684d42" providerId="LiveId" clId="{6B47D55C-2EB6-45DF-B5F6-CBB8C3A67815}" dt="2023-03-26T15:18:25.838" v="1080" actId="171"/>
+          <ac:picMkLst>
+            <pc:docMk/>
+            <pc:sldMk cId="109857222" sldId="256"/>
+            <ac:picMk id="8" creationId="{D6D4AD5F-2398-9B94-70E0-482A449F2B0F}"/>
+          </ac:picMkLst>
+        </pc:picChg>
+        <pc:cxnChg chg="add del">
+          <ac:chgData name="Adam J" userId="8bf0e6d6bf684d42" providerId="LiveId" clId="{6B47D55C-2EB6-45DF-B5F6-CBB8C3A67815}" dt="2023-03-26T15:17:50.323" v="1070" actId="26606"/>
+          <ac:cxnSpMkLst>
+            <pc:docMk/>
+            <pc:sldMk cId="109857222" sldId="256"/>
+            <ac:cxnSpMk id="12" creationId="{E193F809-7E50-4AAD-8E26-878207931CB5}"/>
+          </ac:cxnSpMkLst>
+        </pc:cxnChg>
+        <pc:cxnChg chg="add">
+          <ac:chgData name="Adam J" userId="8bf0e6d6bf684d42" providerId="LiveId" clId="{6B47D55C-2EB6-45DF-B5F6-CBB8C3A67815}" dt="2023-03-26T15:17:50.323" v="1070" actId="26606"/>
+          <ac:cxnSpMkLst>
+            <pc:docMk/>
+            <pc:sldMk cId="109857222" sldId="256"/>
+            <ac:cxnSpMk id="23" creationId="{E193F809-7E50-4AAD-8E26-878207931CB5}"/>
+          </ac:cxnSpMkLst>
+        </pc:cxnChg>
       </pc:sldChg>
-      <pc:sldChg chg="modSp mod">
-        <pc:chgData name="Adam J" userId="8bf0e6d6bf684d42" providerId="LiveId" clId="{6B47D55C-2EB6-45DF-B5F6-CBB8C3A67815}" dt="2023-03-26T14:32:53.003" v="1059" actId="113"/>
+      <pc:sldChg chg="modSp">
+        <pc:chgData name="Adam J" userId="8bf0e6d6bf684d42" providerId="LiveId" clId="{6B47D55C-2EB6-45DF-B5F6-CBB8C3A67815}" dt="2023-03-26T15:15:55.377" v="1065"/>
+        <pc:sldMkLst>
+          <pc:docMk/>
+          <pc:sldMk cId="635039241" sldId="257"/>
+        </pc:sldMkLst>
+        <pc:spChg chg="mod">
+          <ac:chgData name="Adam J" userId="8bf0e6d6bf684d42" providerId="LiveId" clId="{6B47D55C-2EB6-45DF-B5F6-CBB8C3A67815}" dt="2023-03-26T15:15:55.377" v="1065"/>
+          <ac:spMkLst>
+            <pc:docMk/>
+            <pc:sldMk cId="635039241" sldId="257"/>
+            <ac:spMk id="2" creationId="{49BFE6E5-C1B2-ACBF-63BE-552169E69705}"/>
+          </ac:spMkLst>
+        </pc:spChg>
+      </pc:sldChg>
+      <pc:sldChg chg="addSp delSp modSp mod delDesignElem">
+        <pc:chgData name="Adam J" userId="8bf0e6d6bf684d42" providerId="LiveId" clId="{6B47D55C-2EB6-45DF-B5F6-CBB8C3A67815}" dt="2023-03-26T15:15:55.377" v="1065"/>
         <pc:sldMkLst>
           <pc:docMk/>
           <pc:sldMk cId="3631955325" sldId="258"/>
@@ -167,13 +278,45 @@
             <ac:spMk id="3" creationId="{F507B286-2456-5904-8CFA-0BCCA4A10008}"/>
           </ac:spMkLst>
         </pc:spChg>
+        <pc:spChg chg="add del">
+          <ac:chgData name="Adam J" userId="8bf0e6d6bf684d42" providerId="LiveId" clId="{6B47D55C-2EB6-45DF-B5F6-CBB8C3A67815}" dt="2023-03-26T15:15:55.377" v="1065"/>
+          <ac:spMkLst>
+            <pc:docMk/>
+            <pc:sldMk cId="3631955325" sldId="258"/>
+            <ac:spMk id="14" creationId="{CECF0FC6-D57B-48B6-9036-F4FFD91A4B34}"/>
+          </ac:spMkLst>
+        </pc:spChg>
+        <pc:spChg chg="add del">
+          <ac:chgData name="Adam J" userId="8bf0e6d6bf684d42" providerId="LiveId" clId="{6B47D55C-2EB6-45DF-B5F6-CBB8C3A67815}" dt="2023-03-26T15:15:55.377" v="1065"/>
+          <ac:spMkLst>
+            <pc:docMk/>
+            <pc:sldMk cId="3631955325" sldId="258"/>
+            <ac:spMk id="15" creationId="{717A211C-5863-4303-AC3D-AEBFDF6D6A4C}"/>
+          </ac:spMkLst>
+        </pc:spChg>
+        <pc:spChg chg="add del">
+          <ac:chgData name="Adam J" userId="8bf0e6d6bf684d42" providerId="LiveId" clId="{6B47D55C-2EB6-45DF-B5F6-CBB8C3A67815}" dt="2023-03-26T15:15:55.377" v="1065"/>
+          <ac:spMkLst>
+            <pc:docMk/>
+            <pc:sldMk cId="3631955325" sldId="258"/>
+            <ac:spMk id="16" creationId="{087519CD-2FFF-42E3-BB0C-FEAA828BA5DB}"/>
+          </ac:spMkLst>
+        </pc:spChg>
       </pc:sldChg>
       <pc:sldChg chg="modSp mod">
-        <pc:chgData name="Adam J" userId="8bf0e6d6bf684d42" providerId="LiveId" clId="{6B47D55C-2EB6-45DF-B5F6-CBB8C3A67815}" dt="2023-03-26T14:09:03.818" v="94" actId="113"/>
+        <pc:chgData name="Adam J" userId="8bf0e6d6bf684d42" providerId="LiveId" clId="{6B47D55C-2EB6-45DF-B5F6-CBB8C3A67815}" dt="2023-03-26T15:15:55.377" v="1065"/>
         <pc:sldMkLst>
           <pc:docMk/>
           <pc:sldMk cId="1013420536" sldId="259"/>
         </pc:sldMkLst>
+        <pc:spChg chg="mod">
+          <ac:chgData name="Adam J" userId="8bf0e6d6bf684d42" providerId="LiveId" clId="{6B47D55C-2EB6-45DF-B5F6-CBB8C3A67815}" dt="2023-03-26T15:15:55.377" v="1065"/>
+          <ac:spMkLst>
+            <pc:docMk/>
+            <pc:sldMk cId="1013420536" sldId="259"/>
+            <ac:spMk id="2" creationId="{6C3E868D-47DE-1AB5-F534-5FA6519BF414}"/>
+          </ac:spMkLst>
+        </pc:spChg>
         <pc:spChg chg="mod">
           <ac:chgData name="Adam J" userId="8bf0e6d6bf684d42" providerId="LiveId" clId="{6B47D55C-2EB6-45DF-B5F6-CBB8C3A67815}" dt="2023-03-26T14:09:03.818" v="94" actId="113"/>
           <ac:spMkLst>
@@ -191,8 +334,8 @@
           </ac:picMkLst>
         </pc:picChg>
       </pc:sldChg>
-      <pc:sldChg chg="addSp delSp modSp mod setBg">
-        <pc:chgData name="Adam J" userId="8bf0e6d6bf684d42" providerId="LiveId" clId="{6B47D55C-2EB6-45DF-B5F6-CBB8C3A67815}" dt="2023-03-26T14:10:26.386" v="111" actId="14100"/>
+      <pc:sldChg chg="addSp delSp modSp mod setBg delDesignElem">
+        <pc:chgData name="Adam J" userId="8bf0e6d6bf684d42" providerId="LiveId" clId="{6B47D55C-2EB6-45DF-B5F6-CBB8C3A67815}" dt="2023-03-26T15:15:55.377" v="1065"/>
         <pc:sldMkLst>
           <pc:docMk/>
           <pc:sldMk cId="1756048858" sldId="260"/>
@@ -213,16 +356,16 @@
             <ac:spMk id="7" creationId="{8DF1AD48-B446-93D4-2EFF-8085FBEA531C}"/>
           </ac:spMkLst>
         </pc:spChg>
-        <pc:spChg chg="add">
-          <ac:chgData name="Adam J" userId="8bf0e6d6bf684d42" providerId="LiveId" clId="{6B47D55C-2EB6-45DF-B5F6-CBB8C3A67815}" dt="2023-03-26T14:10:16.433" v="110" actId="26606"/>
+        <pc:spChg chg="add del">
+          <ac:chgData name="Adam J" userId="8bf0e6d6bf684d42" providerId="LiveId" clId="{6B47D55C-2EB6-45DF-B5F6-CBB8C3A67815}" dt="2023-03-26T15:15:55.377" v="1065"/>
           <ac:spMkLst>
             <pc:docMk/>
             <pc:sldMk cId="1756048858" sldId="260"/>
             <ac:spMk id="11" creationId="{4E4490D0-3672-446A-AC12-B4830333BDDD}"/>
           </ac:spMkLst>
         </pc:spChg>
-        <pc:spChg chg="add">
-          <ac:chgData name="Adam J" userId="8bf0e6d6bf684d42" providerId="LiveId" clId="{6B47D55C-2EB6-45DF-B5F6-CBB8C3A67815}" dt="2023-03-26T14:10:16.433" v="110" actId="26606"/>
+        <pc:spChg chg="add del">
+          <ac:chgData name="Adam J" userId="8bf0e6d6bf684d42" providerId="LiveId" clId="{6B47D55C-2EB6-45DF-B5F6-CBB8C3A67815}" dt="2023-03-26T15:15:55.377" v="1065"/>
           <ac:spMkLst>
             <pc:docMk/>
             <pc:sldMk cId="1756048858" sldId="260"/>
@@ -237,8 +380,8 @@
             <ac:spMk id="14" creationId="{4E4490D0-3672-446A-AC12-B4830333BDDD}"/>
           </ac:spMkLst>
         </pc:spChg>
-        <pc:spChg chg="add">
-          <ac:chgData name="Adam J" userId="8bf0e6d6bf684d42" providerId="LiveId" clId="{6B47D55C-2EB6-45DF-B5F6-CBB8C3A67815}" dt="2023-03-26T14:10:16.433" v="110" actId="26606"/>
+        <pc:spChg chg="add del">
+          <ac:chgData name="Adam J" userId="8bf0e6d6bf684d42" providerId="LiveId" clId="{6B47D55C-2EB6-45DF-B5F6-CBB8C3A67815}" dt="2023-03-26T15:15:55.377" v="1065"/>
           <ac:spMkLst>
             <pc:docMk/>
             <pc:sldMk cId="1756048858" sldId="260"/>
@@ -253,8 +396,8 @@
             <ac:spMk id="16" creationId="{39CB82C2-DF65-4EC1-8280-F201D50F570B}"/>
           </ac:spMkLst>
         </pc:spChg>
-        <pc:spChg chg="add">
-          <ac:chgData name="Adam J" userId="8bf0e6d6bf684d42" providerId="LiveId" clId="{6B47D55C-2EB6-45DF-B5F6-CBB8C3A67815}" dt="2023-03-26T14:10:16.433" v="110" actId="26606"/>
+        <pc:spChg chg="add del">
+          <ac:chgData name="Adam J" userId="8bf0e6d6bf684d42" providerId="LiveId" clId="{6B47D55C-2EB6-45DF-B5F6-CBB8C3A67815}" dt="2023-03-26T15:15:55.377" v="1065"/>
           <ac:spMkLst>
             <pc:docMk/>
             <pc:sldMk cId="1756048858" sldId="260"/>
@@ -269,8 +412,8 @@
             <ac:spMk id="20" creationId="{8D0DE514-8876-4D18-A995-61A5C1F813F1}"/>
           </ac:spMkLst>
         </pc:spChg>
-        <pc:spChg chg="add">
-          <ac:chgData name="Adam J" userId="8bf0e6d6bf684d42" providerId="LiveId" clId="{6B47D55C-2EB6-45DF-B5F6-CBB8C3A67815}" dt="2023-03-26T14:10:16.433" v="110" actId="26606"/>
+        <pc:spChg chg="add del">
+          <ac:chgData name="Adam J" userId="8bf0e6d6bf684d42" providerId="LiveId" clId="{6B47D55C-2EB6-45DF-B5F6-CBB8C3A67815}" dt="2023-03-26T15:15:55.377" v="1065"/>
           <ac:spMkLst>
             <pc:docMk/>
             <pc:sldMk cId="1756048858" sldId="260"/>
@@ -365,16 +508,16 @@
             <ac:picMk id="9" creationId="{C3AF6E6D-990E-650D-4F65-0021F44C8D3D}"/>
           </ac:picMkLst>
         </pc:picChg>
-        <pc:cxnChg chg="add">
-          <ac:chgData name="Adam J" userId="8bf0e6d6bf684d42" providerId="LiveId" clId="{6B47D55C-2EB6-45DF-B5F6-CBB8C3A67815}" dt="2023-03-26T14:10:16.433" v="110" actId="26606"/>
+        <pc:cxnChg chg="add del">
+          <ac:chgData name="Adam J" userId="8bf0e6d6bf684d42" providerId="LiveId" clId="{6B47D55C-2EB6-45DF-B5F6-CBB8C3A67815}" dt="2023-03-26T15:15:55.377" v="1065"/>
           <ac:cxnSpMkLst>
             <pc:docMk/>
             <pc:sldMk cId="1756048858" sldId="260"/>
             <ac:cxnSpMk id="13" creationId="{7E1D4427-852B-4B37-8E76-0E9F1810BA2A}"/>
           </ac:cxnSpMkLst>
         </pc:cxnChg>
-        <pc:cxnChg chg="add">
-          <ac:chgData name="Adam J" userId="8bf0e6d6bf684d42" providerId="LiveId" clId="{6B47D55C-2EB6-45DF-B5F6-CBB8C3A67815}" dt="2023-03-26T14:10:16.433" v="110" actId="26606"/>
+        <pc:cxnChg chg="add del">
+          <ac:chgData name="Adam J" userId="8bf0e6d6bf684d42" providerId="LiveId" clId="{6B47D55C-2EB6-45DF-B5F6-CBB8C3A67815}" dt="2023-03-26T15:15:55.377" v="1065"/>
           <ac:cxnSpMkLst>
             <pc:docMk/>
             <pc:sldMk cId="1756048858" sldId="260"/>
@@ -421,13 +564,13 @@
         </pc:sldMkLst>
       </pc:sldChg>
       <pc:sldChg chg="addSp delSp modSp mod setBg">
-        <pc:chgData name="Adam J" userId="8bf0e6d6bf684d42" providerId="LiveId" clId="{6B47D55C-2EB6-45DF-B5F6-CBB8C3A67815}" dt="2023-03-26T14:31:36.343" v="1038" actId="1076"/>
+        <pc:chgData name="Adam J" userId="8bf0e6d6bf684d42" providerId="LiveId" clId="{6B47D55C-2EB6-45DF-B5F6-CBB8C3A67815}" dt="2023-03-26T15:15:55.377" v="1065"/>
         <pc:sldMkLst>
           <pc:docMk/>
           <pc:sldMk cId="890891404" sldId="263"/>
         </pc:sldMkLst>
         <pc:spChg chg="mod">
-          <ac:chgData name="Adam J" userId="8bf0e6d6bf684d42" providerId="LiveId" clId="{6B47D55C-2EB6-45DF-B5F6-CBB8C3A67815}" dt="2023-03-26T14:13:51.490" v="721" actId="20577"/>
+          <ac:chgData name="Adam J" userId="8bf0e6d6bf684d42" providerId="LiveId" clId="{6B47D55C-2EB6-45DF-B5F6-CBB8C3A67815}" dt="2023-03-26T15:15:55.377" v="1065"/>
           <ac:spMkLst>
             <pc:docMk/>
             <pc:sldMk cId="890891404" sldId="263"/>
@@ -515,13 +658,13 @@
         </pc:sldMkLst>
       </pc:sldChg>
       <pc:sldChg chg="addSp delSp modSp mod">
-        <pc:chgData name="Adam J" userId="8bf0e6d6bf684d42" providerId="LiveId" clId="{6B47D55C-2EB6-45DF-B5F6-CBB8C3A67815}" dt="2023-03-26T14:15:33.913" v="750" actId="1076"/>
+        <pc:chgData name="Adam J" userId="8bf0e6d6bf684d42" providerId="LiveId" clId="{6B47D55C-2EB6-45DF-B5F6-CBB8C3A67815}" dt="2023-03-26T15:15:55.377" v="1065"/>
         <pc:sldMkLst>
           <pc:docMk/>
           <pc:sldMk cId="3269460135" sldId="265"/>
         </pc:sldMkLst>
         <pc:spChg chg="mod">
-          <ac:chgData name="Adam J" userId="8bf0e6d6bf684d42" providerId="LiveId" clId="{6B47D55C-2EB6-45DF-B5F6-CBB8C3A67815}" dt="2023-03-26T14:14:18.477" v="740" actId="20577"/>
+          <ac:chgData name="Adam J" userId="8bf0e6d6bf684d42" providerId="LiveId" clId="{6B47D55C-2EB6-45DF-B5F6-CBB8C3A67815}" dt="2023-03-26T15:15:55.377" v="1065"/>
           <ac:spMkLst>
             <pc:docMk/>
             <pc:sldMk cId="3269460135" sldId="265"/>
@@ -562,13 +705,13 @@
         </pc:graphicFrameChg>
       </pc:sldChg>
       <pc:sldChg chg="addSp delSp modSp mod setBg">
-        <pc:chgData name="Adam J" userId="8bf0e6d6bf684d42" providerId="LiveId" clId="{6B47D55C-2EB6-45DF-B5F6-CBB8C3A67815}" dt="2023-03-26T14:18:57.556" v="824" actId="26606"/>
+        <pc:chgData name="Adam J" userId="8bf0e6d6bf684d42" providerId="LiveId" clId="{6B47D55C-2EB6-45DF-B5F6-CBB8C3A67815}" dt="2023-03-26T15:15:55.377" v="1065"/>
         <pc:sldMkLst>
           <pc:docMk/>
           <pc:sldMk cId="1697708210" sldId="266"/>
         </pc:sldMkLst>
         <pc:spChg chg="mod ord">
-          <ac:chgData name="Adam J" userId="8bf0e6d6bf684d42" providerId="LiveId" clId="{6B47D55C-2EB6-45DF-B5F6-CBB8C3A67815}" dt="2023-03-26T14:18:57.556" v="824" actId="26606"/>
+          <ac:chgData name="Adam J" userId="8bf0e6d6bf684d42" providerId="LiveId" clId="{6B47D55C-2EB6-45DF-B5F6-CBB8C3A67815}" dt="2023-03-26T15:15:55.377" v="1065"/>
           <ac:spMkLst>
             <pc:docMk/>
             <pc:sldMk cId="1697708210" sldId="266"/>
@@ -720,8 +863,8 @@
           </ac:cxnSpMkLst>
         </pc:cxnChg>
       </pc:sldChg>
-      <pc:sldChg chg="addSp delSp modSp new mod ord setBg">
-        <pc:chgData name="Adam J" userId="8bf0e6d6bf684d42" providerId="LiveId" clId="{6B47D55C-2EB6-45DF-B5F6-CBB8C3A67815}" dt="2023-03-26T14:24:26.314" v="945" actId="26606"/>
+      <pc:sldChg chg="addSp delSp modSp new mod ord setBg delDesignElem">
+        <pc:chgData name="Adam J" userId="8bf0e6d6bf684d42" providerId="LiveId" clId="{6B47D55C-2EB6-45DF-B5F6-CBB8C3A67815}" dt="2023-03-26T15:19:11.681" v="1084" actId="14100"/>
         <pc:sldMkLst>
           <pc:docMk/>
           <pc:sldMk cId="866971296" sldId="267"/>
@@ -743,7 +886,7 @@
           </ac:spMkLst>
         </pc:spChg>
         <pc:spChg chg="add del">
-          <ac:chgData name="Adam J" userId="8bf0e6d6bf684d42" providerId="LiveId" clId="{6B47D55C-2EB6-45DF-B5F6-CBB8C3A67815}" dt="2023-03-26T14:24:26.314" v="945" actId="26606"/>
+          <ac:chgData name="Adam J" userId="8bf0e6d6bf684d42" providerId="LiveId" clId="{6B47D55C-2EB6-45DF-B5F6-CBB8C3A67815}" dt="2023-03-26T15:15:55.377" v="1065"/>
           <ac:spMkLst>
             <pc:docMk/>
             <pc:sldMk cId="866971296" sldId="267"/>
@@ -751,7 +894,7 @@
           </ac:spMkLst>
         </pc:spChg>
         <pc:spChg chg="add del">
-          <ac:chgData name="Adam J" userId="8bf0e6d6bf684d42" providerId="LiveId" clId="{6B47D55C-2EB6-45DF-B5F6-CBB8C3A67815}" dt="2023-03-26T14:24:26.314" v="945" actId="26606"/>
+          <ac:chgData name="Adam J" userId="8bf0e6d6bf684d42" providerId="LiveId" clId="{6B47D55C-2EB6-45DF-B5F6-CBB8C3A67815}" dt="2023-03-26T15:15:55.377" v="1065"/>
           <ac:spMkLst>
             <pc:docMk/>
             <pc:sldMk cId="866971296" sldId="267"/>
@@ -759,7 +902,7 @@
           </ac:spMkLst>
         </pc:spChg>
         <pc:spChg chg="add del">
-          <ac:chgData name="Adam J" userId="8bf0e6d6bf684d42" providerId="LiveId" clId="{6B47D55C-2EB6-45DF-B5F6-CBB8C3A67815}" dt="2023-03-26T14:24:26.314" v="945" actId="26606"/>
+          <ac:chgData name="Adam J" userId="8bf0e6d6bf684d42" providerId="LiveId" clId="{6B47D55C-2EB6-45DF-B5F6-CBB8C3A67815}" dt="2023-03-26T15:15:55.377" v="1065"/>
           <ac:spMkLst>
             <pc:docMk/>
             <pc:sldMk cId="866971296" sldId="267"/>
@@ -767,7 +910,7 @@
           </ac:spMkLst>
         </pc:spChg>
         <pc:spChg chg="add del">
-          <ac:chgData name="Adam J" userId="8bf0e6d6bf684d42" providerId="LiveId" clId="{6B47D55C-2EB6-45DF-B5F6-CBB8C3A67815}" dt="2023-03-26T14:24:26.314" v="945" actId="26606"/>
+          <ac:chgData name="Adam J" userId="8bf0e6d6bf684d42" providerId="LiveId" clId="{6B47D55C-2EB6-45DF-B5F6-CBB8C3A67815}" dt="2023-03-26T15:15:55.377" v="1065"/>
           <ac:spMkLst>
             <pc:docMk/>
             <pc:sldMk cId="866971296" sldId="267"/>
@@ -775,7 +918,7 @@
           </ac:spMkLst>
         </pc:spChg>
         <pc:spChg chg="add del">
-          <ac:chgData name="Adam J" userId="8bf0e6d6bf684d42" providerId="LiveId" clId="{6B47D55C-2EB6-45DF-B5F6-CBB8C3A67815}" dt="2023-03-26T14:24:26.314" v="945" actId="26606"/>
+          <ac:chgData name="Adam J" userId="8bf0e6d6bf684d42" providerId="LiveId" clId="{6B47D55C-2EB6-45DF-B5F6-CBB8C3A67815}" dt="2023-03-26T15:15:55.377" v="1065"/>
           <ac:spMkLst>
             <pc:docMk/>
             <pc:sldMk cId="866971296" sldId="267"/>
@@ -855,7 +998,7 @@
           </ac:graphicFrameMkLst>
         </pc:graphicFrameChg>
         <pc:graphicFrameChg chg="add mod modGraphic">
-          <ac:chgData name="Adam J" userId="8bf0e6d6bf684d42" providerId="LiveId" clId="{6B47D55C-2EB6-45DF-B5F6-CBB8C3A67815}" dt="2023-03-26T14:24:26.314" v="945" actId="26606"/>
+          <ac:chgData name="Adam J" userId="8bf0e6d6bf684d42" providerId="LiveId" clId="{6B47D55C-2EB6-45DF-B5F6-CBB8C3A67815}" dt="2023-03-26T15:19:11.681" v="1084" actId="14100"/>
           <ac:graphicFrameMkLst>
             <pc:docMk/>
             <pc:sldMk cId="866971296" sldId="267"/>
@@ -871,7 +1014,7 @@
           </ac:picMkLst>
         </pc:picChg>
         <pc:cxnChg chg="add del">
-          <ac:chgData name="Adam J" userId="8bf0e6d6bf684d42" providerId="LiveId" clId="{6B47D55C-2EB6-45DF-B5F6-CBB8C3A67815}" dt="2023-03-26T14:24:26.314" v="945" actId="26606"/>
+          <ac:chgData name="Adam J" userId="8bf0e6d6bf684d42" providerId="LiveId" clId="{6B47D55C-2EB6-45DF-B5F6-CBB8C3A67815}" dt="2023-03-26T15:15:55.377" v="1065"/>
           <ac:cxnSpMkLst>
             <pc:docMk/>
             <pc:sldMk cId="866971296" sldId="267"/>
@@ -999,7 +1142,7 @@
         </pc:cxnChg>
       </pc:sldChg>
       <pc:sldChg chg="addSp delSp modSp add mod ord setBg delDesignElem">
-        <pc:chgData name="Adam J" userId="8bf0e6d6bf684d42" providerId="LiveId" clId="{6B47D55C-2EB6-45DF-B5F6-CBB8C3A67815}" dt="2023-03-26T14:20:22.590" v="862"/>
+        <pc:chgData name="Adam J" userId="8bf0e6d6bf684d42" providerId="LiveId" clId="{6B47D55C-2EB6-45DF-B5F6-CBB8C3A67815}" dt="2023-03-26T15:15:55.377" v="1065"/>
         <pc:sldMkLst>
           <pc:docMk/>
           <pc:sldMk cId="2664966356" sldId="268"/>
@@ -1028,8 +1171,8 @@
             <ac:spMk id="14" creationId="{39CB82C2-DF65-4EC1-8280-F201D50F570B}"/>
           </ac:spMkLst>
         </pc:spChg>
-        <pc:spChg chg="add">
-          <ac:chgData name="Adam J" userId="8bf0e6d6bf684d42" providerId="LiveId" clId="{6B47D55C-2EB6-45DF-B5F6-CBB8C3A67815}" dt="2023-03-26T14:19:04.683" v="827" actId="26606"/>
+        <pc:spChg chg="add del">
+          <ac:chgData name="Adam J" userId="8bf0e6d6bf684d42" providerId="LiveId" clId="{6B47D55C-2EB6-45DF-B5F6-CBB8C3A67815}" dt="2023-03-26T15:15:55.377" v="1065"/>
           <ac:spMkLst>
             <pc:docMk/>
             <pc:sldMk cId="2664966356" sldId="268"/>
@@ -1044,8 +1187,8 @@
             <ac:spMk id="17" creationId="{5A1B47C8-47A0-4A88-8830-6DEA3B5DE392}"/>
           </ac:spMkLst>
         </pc:spChg>
-        <pc:spChg chg="add">
-          <ac:chgData name="Adam J" userId="8bf0e6d6bf684d42" providerId="LiveId" clId="{6B47D55C-2EB6-45DF-B5F6-CBB8C3A67815}" dt="2023-03-26T14:19:04.683" v="827" actId="26606"/>
+        <pc:spChg chg="add del">
+          <ac:chgData name="Adam J" userId="8bf0e6d6bf684d42" providerId="LiveId" clId="{6B47D55C-2EB6-45DF-B5F6-CBB8C3A67815}" dt="2023-03-26T15:15:55.377" v="1065"/>
           <ac:spMkLst>
             <pc:docMk/>
             <pc:sldMk cId="2664966356" sldId="268"/>
@@ -1068,24 +1211,24 @@
             <ac:spMk id="21" creationId="{5AC4BE46-4A77-42FE-9D15-065CDB2F847C}"/>
           </ac:spMkLst>
         </pc:spChg>
-        <pc:spChg chg="add">
-          <ac:chgData name="Adam J" userId="8bf0e6d6bf684d42" providerId="LiveId" clId="{6B47D55C-2EB6-45DF-B5F6-CBB8C3A67815}" dt="2023-03-26T14:19:04.683" v="827" actId="26606"/>
+        <pc:spChg chg="add del">
+          <ac:chgData name="Adam J" userId="8bf0e6d6bf684d42" providerId="LiveId" clId="{6B47D55C-2EB6-45DF-B5F6-CBB8C3A67815}" dt="2023-03-26T15:15:55.377" v="1065"/>
           <ac:spMkLst>
             <pc:docMk/>
             <pc:sldMk cId="2664966356" sldId="268"/>
             <ac:spMk id="22" creationId="{9549EB89-5BFB-4E1E-AEEA-87C343D80563}"/>
           </ac:spMkLst>
         </pc:spChg>
-        <pc:spChg chg="add">
-          <ac:chgData name="Adam J" userId="8bf0e6d6bf684d42" providerId="LiveId" clId="{6B47D55C-2EB6-45DF-B5F6-CBB8C3A67815}" dt="2023-03-26T14:19:04.683" v="827" actId="26606"/>
+        <pc:spChg chg="add del">
+          <ac:chgData name="Adam J" userId="8bf0e6d6bf684d42" providerId="LiveId" clId="{6B47D55C-2EB6-45DF-B5F6-CBB8C3A67815}" dt="2023-03-26T15:15:55.377" v="1065"/>
           <ac:spMkLst>
             <pc:docMk/>
             <pc:sldMk cId="2664966356" sldId="268"/>
             <ac:spMk id="24" creationId="{3D1FA295-BDF6-44B9-90C5-FE3E2CE352AE}"/>
           </ac:spMkLst>
         </pc:spChg>
-        <pc:spChg chg="add">
-          <ac:chgData name="Adam J" userId="8bf0e6d6bf684d42" providerId="LiveId" clId="{6B47D55C-2EB6-45DF-B5F6-CBB8C3A67815}" dt="2023-03-26T14:19:04.683" v="827" actId="26606"/>
+        <pc:spChg chg="add del">
+          <ac:chgData name="Adam J" userId="8bf0e6d6bf684d42" providerId="LiveId" clId="{6B47D55C-2EB6-45DF-B5F6-CBB8C3A67815}" dt="2023-03-26T15:15:55.377" v="1065"/>
           <ac:spMkLst>
             <pc:docMk/>
             <pc:sldMk cId="2664966356" sldId="268"/>
@@ -1116,8 +1259,8 @@
             <ac:cxnSpMk id="15" creationId="{7E1D4427-852B-4B37-8E76-0E9F1810BA2A}"/>
           </ac:cxnSpMkLst>
         </pc:cxnChg>
-        <pc:cxnChg chg="add">
-          <ac:chgData name="Adam J" userId="8bf0e6d6bf684d42" providerId="LiveId" clId="{6B47D55C-2EB6-45DF-B5F6-CBB8C3A67815}" dt="2023-03-26T14:19:04.683" v="827" actId="26606"/>
+        <pc:cxnChg chg="add del">
+          <ac:chgData name="Adam J" userId="8bf0e6d6bf684d42" providerId="LiveId" clId="{6B47D55C-2EB6-45DF-B5F6-CBB8C3A67815}" dt="2023-03-26T15:15:55.377" v="1065"/>
           <ac:cxnSpMkLst>
             <pc:docMk/>
             <pc:sldMk cId="2664966356" sldId="268"/>
@@ -18093,6 +18236,14 @@
 <file path=ppt/slides/slide1.xml><?xml version="1.0" encoding="utf-8"?>
 <p:sld xmlns:a="http://schemas.openxmlformats.org/drawingml/2006/main" xmlns:r="http://schemas.openxmlformats.org/officeDocument/2006/relationships" xmlns:p="http://schemas.openxmlformats.org/presentationml/2006/main">
   <p:cSld>
+    <p:bg>
+      <p:bgPr>
+        <a:solidFill>
+          <a:schemeClr val="bg1"/>
+        </a:solidFill>
+        <a:effectLst/>
+      </p:bgPr>
+    </p:bg>
     <p:spTree>
       <p:nvGrpSpPr>
         <p:cNvPr id="1" name=""/>
@@ -18107,6 +18258,157 @@
           <a:chExt cx="0" cy="0"/>
         </a:xfrm>
       </p:grpSpPr>
+      <p:sp useBgFill="1">
+        <p:nvSpPr>
+          <p:cNvPr id="21" name="Rectangle 20">
+            <a:extLst>
+              <a:ext uri="{FF2B5EF4-FFF2-40B4-BE49-F238E27FC236}">
+                <a16:creationId xmlns:a16="http://schemas.microsoft.com/office/drawing/2014/main" id="{AE220058-3FCE-496E-ADF2-D8A6961F39F6}"/>
+              </a:ext>
+              <a:ext uri="{C183D7F6-B498-43B3-948B-1728B52AA6E4}">
+                <adec:decorative xmlns:adec="http://schemas.microsoft.com/office/drawing/2017/decorative" val="1"/>
+              </a:ext>
+            </a:extLst>
+          </p:cNvPr>
+          <p:cNvSpPr>
+            <a:spLocks noGrp="1" noRot="1" noChangeAspect="1" noMove="1" noResize="1" noEditPoints="1" noAdjustHandles="1" noChangeArrowheads="1" noChangeShapeType="1" noTextEdit="1"/>
+          </p:cNvSpPr>
+          <p:nvPr>
+            <p:extLst>
+              <p:ext uri="{386F3935-93C4-4BCD-93E2-E3B085C9AB24}">
+                <p16:designElem xmlns:p16="http://schemas.microsoft.com/office/powerpoint/2015/main" val="1"/>
+              </p:ext>
+            </p:extLst>
+          </p:nvPr>
+        </p:nvSpPr>
+        <p:spPr>
+          <a:xfrm>
+            <a:off x="0" y="0"/>
+            <a:ext cx="12192001" cy="6334316"/>
+          </a:xfrm>
+          <a:prstGeom prst="rect">
+            <a:avLst/>
+          </a:prstGeom>
+          <a:ln>
+            <a:noFill/>
+          </a:ln>
+        </p:spPr>
+        <p:style>
+          <a:lnRef idx="2">
+            <a:schemeClr val="accent1">
+              <a:shade val="50000"/>
+            </a:schemeClr>
+          </a:lnRef>
+          <a:fillRef idx="1">
+            <a:schemeClr val="accent1"/>
+          </a:fillRef>
+          <a:effectRef idx="0">
+            <a:schemeClr val="accent1"/>
+          </a:effectRef>
+          <a:fontRef idx="minor">
+            <a:schemeClr val="lt1"/>
+          </a:fontRef>
+        </p:style>
+        <p:txBody>
+          <a:bodyPr rtlCol="0" anchor="ctr"/>
+          <a:lstStyle/>
+          <a:p>
+            <a:pPr algn="ctr"/>
+            <a:endParaRPr lang="en-US"/>
+          </a:p>
+        </p:txBody>
+      </p:sp>
+      <p:cxnSp>
+        <p:nvCxnSpPr>
+          <p:cNvPr id="23" name="Straight Connector 22">
+            <a:extLst>
+              <a:ext uri="{FF2B5EF4-FFF2-40B4-BE49-F238E27FC236}">
+                <a16:creationId xmlns:a16="http://schemas.microsoft.com/office/drawing/2014/main" id="{E193F809-7E50-4AAD-8E26-878207931CB5}"/>
+              </a:ext>
+              <a:ext uri="{C183D7F6-B498-43B3-948B-1728B52AA6E4}">
+                <adec:decorative xmlns:adec="http://schemas.microsoft.com/office/drawing/2017/decorative" val="1"/>
+              </a:ext>
+            </a:extLst>
+          </p:cNvPr>
+          <p:cNvCxnSpPr>
+            <a:cxnSpLocks noGrp="1" noRot="1" noChangeAspect="1" noMove="1" noResize="1" noEditPoints="1" noAdjustHandles="1" noChangeArrowheads="1" noChangeShapeType="1"/>
+          </p:cNvCxnSpPr>
+          <p:nvPr>
+            <p:extLst>
+              <p:ext uri="{386F3935-93C4-4BCD-93E2-E3B085C9AB24}">
+                <p16:designElem xmlns:p16="http://schemas.microsoft.com/office/powerpoint/2015/main" val="1"/>
+              </p:ext>
+            </p:extLst>
+          </p:nvPr>
+        </p:nvCxnSpPr>
+        <p:spPr>
+          <a:xfrm>
+            <a:off x="3944603" y="4325112"/>
+            <a:ext cx="7132320" cy="0"/>
+          </a:xfrm>
+          <a:prstGeom prst="line">
+            <a:avLst/>
+          </a:prstGeom>
+          <a:ln w="6350">
+            <a:solidFill>
+              <a:schemeClr val="tx1">
+                <a:lumMod val="50000"/>
+                <a:lumOff val="50000"/>
+              </a:schemeClr>
+            </a:solidFill>
+          </a:ln>
+        </p:spPr>
+        <p:style>
+          <a:lnRef idx="1">
+            <a:schemeClr val="accent1"/>
+          </a:lnRef>
+          <a:fillRef idx="0">
+            <a:schemeClr val="accent1"/>
+          </a:fillRef>
+          <a:effectRef idx="0">
+            <a:schemeClr val="accent1"/>
+          </a:effectRef>
+          <a:fontRef idx="minor">
+            <a:schemeClr val="tx1"/>
+          </a:fontRef>
+        </p:style>
+      </p:cxnSp>
+      <p:pic>
+        <p:nvPicPr>
+          <p:cNvPr id="8" name="Picture 7" descr="A picture containing star, outdoor object, night, night sky&#10;&#10;Description automatically generated">
+            <a:extLst>
+              <a:ext uri="{FF2B5EF4-FFF2-40B4-BE49-F238E27FC236}">
+                <a16:creationId xmlns:a16="http://schemas.microsoft.com/office/drawing/2014/main" id="{D6D4AD5F-2398-9B94-70E0-482A449F2B0F}"/>
+              </a:ext>
+            </a:extLst>
+          </p:cNvPr>
+          <p:cNvPicPr>
+            <a:picLocks noChangeAspect="1"/>
+          </p:cNvPicPr>
+          <p:nvPr/>
+        </p:nvPicPr>
+        <p:blipFill>
+          <a:blip r:embed="rId2">
+            <a:extLst>
+              <a:ext uri="{28A0092B-C50C-407E-A947-70E740481C1C}">
+                <a14:useLocalDpi xmlns:a14="http://schemas.microsoft.com/office/drawing/2010/main" val="0"/>
+              </a:ext>
+            </a:extLst>
+          </a:blip>
+          <a:stretch>
+            <a:fillRect/>
+          </a:stretch>
+        </p:blipFill>
+        <p:spPr>
+          <a:xfrm>
+            <a:off x="0" y="0"/>
+            <a:ext cx="12192000" cy="6858000"/>
+          </a:xfrm>
+          <a:prstGeom prst="rect">
+            <a:avLst/>
+          </a:prstGeom>
+        </p:spPr>
+      </p:pic>
       <p:sp>
         <p:nvSpPr>
           <p:cNvPr id="2" name="Title 1"/>
@@ -18119,8 +18421,8 @@
         </p:nvSpPr>
         <p:spPr>
           <a:xfrm>
-            <a:off x="1097280" y="777538"/>
-            <a:ext cx="10604390" cy="3566160"/>
+            <a:off x="3836504" y="758952"/>
+            <a:ext cx="7319175" cy="3566160"/>
           </a:xfrm>
         </p:spPr>
         <p:txBody>
@@ -18130,7 +18432,10 @@
           <a:lstStyle/>
           <a:p>
             <a:r>
-              <a:rPr lang="en-US" sz="6400" dirty="0">
+              <a:rPr lang="en-US" dirty="0">
+                <a:solidFill>
+                  <a:schemeClr val="bg1"/>
+                </a:solidFill>
                 <a:cs typeface="Calibri Light"/>
               </a:rPr>
               <a:t>NASA Exoplanet Archive Search</a:t>
@@ -18148,22 +18453,184 @@
             <p:ph type="subTitle" idx="1"/>
           </p:nvPr>
         </p:nvSpPr>
-        <p:spPr/>
+        <p:spPr>
+          <a:xfrm>
+            <a:off x="3836504" y="4455620"/>
+            <a:ext cx="7321946" cy="1143000"/>
+          </a:xfrm>
+        </p:spPr>
         <p:txBody>
-          <a:bodyPr vert="horz" lIns="91440" tIns="45720" rIns="91440" bIns="45720" rtlCol="0" anchor="t">
+          <a:bodyPr vert="horz" lIns="91440" tIns="45720" rIns="91440" bIns="45720" rtlCol="0">
             <a:normAutofit/>
           </a:bodyPr>
           <a:lstStyle/>
           <a:p>
             <a:r>
               <a:rPr lang="en-US" dirty="0">
+                <a:solidFill>
+                  <a:schemeClr val="bg1">
+                    <a:lumMod val="75000"/>
+                  </a:schemeClr>
+                </a:solidFill>
                 <a:cs typeface="Calibri Light"/>
               </a:rPr>
               <a:t>Adam Jarvis &amp; William Leithauser</a:t>
             </a:r>
-            <a:endParaRPr lang="en-US" dirty="0"/>
+            <a:endParaRPr lang="en-US" dirty="0">
+              <a:solidFill>
+                <a:schemeClr val="bg1">
+                  <a:lumMod val="75000"/>
+                </a:schemeClr>
+              </a:solidFill>
+            </a:endParaRPr>
           </a:p>
         </p:txBody>
+      </p:sp>
+      <p:pic>
+        <p:nvPicPr>
+          <p:cNvPr id="5" name="Picture 4">
+            <a:extLst>
+              <a:ext uri="{FF2B5EF4-FFF2-40B4-BE49-F238E27FC236}">
+                <a16:creationId xmlns:a16="http://schemas.microsoft.com/office/drawing/2014/main" id="{43DC1E07-8A58-BD22-D85A-26534A6E7D4D}"/>
+              </a:ext>
+            </a:extLst>
+          </p:cNvPr>
+          <p:cNvPicPr>
+            <a:picLocks noChangeAspect="1"/>
+          </p:cNvPicPr>
+          <p:nvPr/>
+        </p:nvPicPr>
+        <p:blipFill>
+          <a:blip r:embed="rId3">
+            <a:extLst>
+              <a:ext uri="{28A0092B-C50C-407E-A947-70E740481C1C}">
+                <a14:useLocalDpi xmlns:a14="http://schemas.microsoft.com/office/drawing/2010/main" val="0"/>
+              </a:ext>
+            </a:extLst>
+          </a:blip>
+          <a:stretch>
+            <a:fillRect/>
+          </a:stretch>
+        </p:blipFill>
+        <p:spPr>
+          <a:xfrm>
+            <a:off x="929818" y="1944907"/>
+            <a:ext cx="2449486" cy="2449486"/>
+          </a:xfrm>
+          <a:prstGeom prst="rect">
+            <a:avLst/>
+          </a:prstGeom>
+        </p:spPr>
+      </p:pic>
+      <p:sp>
+        <p:nvSpPr>
+          <p:cNvPr id="25" name="Rectangle 24">
+            <a:extLst>
+              <a:ext uri="{FF2B5EF4-FFF2-40B4-BE49-F238E27FC236}">
+                <a16:creationId xmlns:a16="http://schemas.microsoft.com/office/drawing/2014/main" id="{3E9C5090-7D25-41E3-A6D3-CCAEE505E785}"/>
+              </a:ext>
+              <a:ext uri="{C183D7F6-B498-43B3-948B-1728B52AA6E4}">
+                <adec:decorative xmlns:adec="http://schemas.microsoft.com/office/drawing/2017/decorative" val="1"/>
+              </a:ext>
+            </a:extLst>
+          </p:cNvPr>
+          <p:cNvSpPr>
+            <a:spLocks noGrp="1" noRot="1" noChangeAspect="1" noMove="1" noResize="1" noEditPoints="1" noAdjustHandles="1" noChangeArrowheads="1" noChangeShapeType="1" noTextEdit="1"/>
+          </p:cNvSpPr>
+          <p:nvPr>
+            <p:extLst>
+              <p:ext uri="{386F3935-93C4-4BCD-93E2-E3B085C9AB24}">
+                <p16:designElem xmlns:p16="http://schemas.microsoft.com/office/powerpoint/2015/main" val="1"/>
+              </p:ext>
+            </p:extLst>
+          </p:nvPr>
+        </p:nvSpPr>
+        <p:spPr>
+          <a:xfrm>
+            <a:off x="0" y="6334316"/>
+            <a:ext cx="12192001" cy="65998"/>
+          </a:xfrm>
+          <a:prstGeom prst="rect">
+            <a:avLst/>
+          </a:prstGeom>
+          <a:solidFill>
+            <a:schemeClr val="accent1"/>
+          </a:solidFill>
+          <a:ln>
+            <a:noFill/>
+          </a:ln>
+        </p:spPr>
+        <p:style>
+          <a:lnRef idx="2">
+            <a:schemeClr val="accent1">
+              <a:shade val="50000"/>
+            </a:schemeClr>
+          </a:lnRef>
+          <a:fillRef idx="1">
+            <a:schemeClr val="accent1"/>
+          </a:fillRef>
+          <a:effectRef idx="0">
+            <a:schemeClr val="accent1"/>
+          </a:effectRef>
+          <a:fontRef idx="minor">
+            <a:schemeClr val="lt1"/>
+          </a:fontRef>
+        </p:style>
+      </p:sp>
+      <p:sp>
+        <p:nvSpPr>
+          <p:cNvPr id="27" name="Rectangle 26">
+            <a:extLst>
+              <a:ext uri="{FF2B5EF4-FFF2-40B4-BE49-F238E27FC236}">
+                <a16:creationId xmlns:a16="http://schemas.microsoft.com/office/drawing/2014/main" id="{11BF8809-0DAC-41E5-A212-ACB4A01BE95B}"/>
+              </a:ext>
+              <a:ext uri="{C183D7F6-B498-43B3-948B-1728B52AA6E4}">
+                <adec:decorative xmlns:adec="http://schemas.microsoft.com/office/drawing/2017/decorative" val="1"/>
+              </a:ext>
+            </a:extLst>
+          </p:cNvPr>
+          <p:cNvSpPr>
+            <a:spLocks noGrp="1" noRot="1" noChangeAspect="1" noMove="1" noResize="1" noEditPoints="1" noAdjustHandles="1" noChangeArrowheads="1" noChangeShapeType="1" noTextEdit="1"/>
+          </p:cNvSpPr>
+          <p:nvPr>
+            <p:extLst>
+              <p:ext uri="{386F3935-93C4-4BCD-93E2-E3B085C9AB24}">
+                <p16:designElem xmlns:p16="http://schemas.microsoft.com/office/powerpoint/2015/main" val="1"/>
+              </p:ext>
+            </p:extLst>
+          </p:nvPr>
+        </p:nvSpPr>
+        <p:spPr>
+          <a:xfrm>
+            <a:off x="1" y="6400800"/>
+            <a:ext cx="12192000" cy="457200"/>
+          </a:xfrm>
+          <a:prstGeom prst="rect">
+            <a:avLst/>
+          </a:prstGeom>
+          <a:solidFill>
+            <a:schemeClr val="accent2"/>
+          </a:solidFill>
+          <a:ln>
+            <a:noFill/>
+          </a:ln>
+        </p:spPr>
+        <p:style>
+          <a:lnRef idx="2">
+            <a:schemeClr val="accent1">
+              <a:shade val="50000"/>
+            </a:schemeClr>
+          </a:lnRef>
+          <a:fillRef idx="1">
+            <a:schemeClr val="accent1"/>
+          </a:fillRef>
+          <a:effectRef idx="0">
+            <a:schemeClr val="accent1"/>
+          </a:effectRef>
+          <a:fontRef idx="minor">
+            <a:schemeClr val="lt1"/>
+          </a:fontRef>
+        </p:style>
       </p:sp>
     </p:spTree>
     <p:extLst>
@@ -20644,14 +21111,14 @@
           <p:nvPr>
             <p:extLst>
               <p:ext uri="{D42A27DB-BD31-4B8C-83A1-F6EECF244321}">
-                <p14:modId xmlns:p14="http://schemas.microsoft.com/office/powerpoint/2010/main" val="4037685639"/>
+                <p14:modId xmlns:p14="http://schemas.microsoft.com/office/powerpoint/2010/main" val="188119436"/>
               </p:ext>
             </p:extLst>
           </p:nvPr>
         </p:nvGraphicFramePr>
         <p:xfrm>
-          <a:off x="226852" y="181070"/>
-          <a:ext cx="7033393" cy="6490699"/>
+          <a:off x="435869" y="640081"/>
+          <a:ext cx="6741748" cy="5757829"/>
         </p:xfrm>
         <a:graphic>
           <a:graphicData uri="http://schemas.openxmlformats.org/drawingml/2006/table">
@@ -20660,21 +21127,21 @@
                 <a:tableStyleId>{69012ECD-51FC-41F1-AA8D-1B2483CD663E}</a:tableStyleId>
               </a:tblPr>
               <a:tblGrid>
-                <a:gridCol w="1632752">
+                <a:gridCol w="1565049">
                   <a:extLst>
                     <a:ext uri="{9D8B030D-6E8A-4147-A177-3AD203B41FA5}">
                       <a16:colId xmlns:a16="http://schemas.microsoft.com/office/drawing/2014/main" val="20000"/>
                     </a:ext>
                   </a:extLst>
                 </a:gridCol>
-                <a:gridCol w="1371093">
+                <a:gridCol w="1314239">
                   <a:extLst>
                     <a:ext uri="{9D8B030D-6E8A-4147-A177-3AD203B41FA5}">
                       <a16:colId xmlns:a16="http://schemas.microsoft.com/office/drawing/2014/main" val="1522526401"/>
                     </a:ext>
                   </a:extLst>
                 </a:gridCol>
-                <a:gridCol w="4029548">
+                <a:gridCol w="3862460">
                   <a:extLst>
                     <a:ext uri="{9D8B030D-6E8A-4147-A177-3AD203B41FA5}">
                       <a16:colId xmlns:a16="http://schemas.microsoft.com/office/drawing/2014/main" val="20001"/>
@@ -20682,7 +21149,7 @@
                   </a:extLst>
                 </a:gridCol>
               </a:tblGrid>
-              <a:tr h="359433">
+              <a:tr h="316156">
                 <a:tc>
                   <a:txBody>
                     <a:bodyPr/>
@@ -20731,7 +21198,7 @@
                   </a:ext>
                 </a:extLst>
               </a:tr>
-              <a:tr h="455798">
+              <a:tr h="399405">
                 <a:tc>
                   <a:txBody>
                     <a:bodyPr/>
@@ -20780,7 +21247,7 @@
                   </a:ext>
                 </a:extLst>
               </a:tr>
-              <a:tr h="661641">
+              <a:tr h="579780">
                 <a:tc>
                   <a:txBody>
                     <a:bodyPr/>
@@ -20829,7 +21296,7 @@
                   </a:ext>
                 </a:extLst>
               </a:tr>
-              <a:tr h="661641">
+              <a:tr h="579780">
                 <a:tc>
                   <a:txBody>
                     <a:bodyPr/>
@@ -20878,7 +21345,7 @@
                   </a:ext>
                 </a:extLst>
               </a:tr>
-              <a:tr h="867485">
+              <a:tr h="760156">
                 <a:tc>
                   <a:txBody>
                     <a:bodyPr/>
@@ -20932,7 +21399,7 @@
                   </a:ext>
                 </a:extLst>
               </a:tr>
-              <a:tr h="867485">
+              <a:tr h="760156">
                 <a:tc>
                   <a:txBody>
                     <a:bodyPr/>
@@ -20981,7 +21448,7 @@
                   </a:ext>
                 </a:extLst>
               </a:tr>
-              <a:tr h="882246">
+              <a:tr h="776018">
                 <a:tc>
                   <a:txBody>
                     <a:bodyPr/>
@@ -21030,7 +21497,7 @@
                   </a:ext>
                 </a:extLst>
               </a:tr>
-              <a:tr h="867485">
+              <a:tr h="760156">
                 <a:tc>
                   <a:txBody>
                     <a:bodyPr/>
@@ -21079,7 +21546,7 @@
                   </a:ext>
                 </a:extLst>
               </a:tr>
-              <a:tr h="867485">
+              <a:tr h="760156">
                 <a:tc>
                   <a:txBody>
                     <a:bodyPr/>
@@ -21590,42 +22057,42 @@
 <file path=ppt/theme/theme1.xml><?xml version="1.0" encoding="utf-8"?>
 <a:theme xmlns:a="http://schemas.openxmlformats.org/drawingml/2006/main" name="Retrospect">
   <a:themeElements>
-    <a:clrScheme name="Retrospect">
+    <a:clrScheme name="Custom 2">
       <a:dk1>
-        <a:srgbClr val="000000"/>
+        <a:sysClr val="windowText" lastClr="000000"/>
       </a:dk1>
       <a:lt1>
         <a:sysClr val="window" lastClr="FFFFFF"/>
       </a:lt1>
       <a:dk2>
-        <a:srgbClr val="637052"/>
+        <a:srgbClr val="335B74"/>
       </a:dk2>
       <a:lt2>
-        <a:srgbClr val="CCDDEA"/>
+        <a:srgbClr val="DFE3E5"/>
       </a:lt2>
       <a:accent1>
-        <a:srgbClr val="E48312"/>
+        <a:srgbClr val="1CADE4"/>
       </a:accent1>
       <a:accent2>
-        <a:srgbClr val="BD582C"/>
+        <a:srgbClr val="1482AB"/>
       </a:accent2>
       <a:accent3>
-        <a:srgbClr val="865640"/>
+        <a:srgbClr val="27CED7"/>
       </a:accent3>
       <a:accent4>
-        <a:srgbClr val="9B8357"/>
+        <a:srgbClr val="42BA97"/>
       </a:accent4>
       <a:accent5>
-        <a:srgbClr val="C2BC80"/>
+        <a:srgbClr val="3E8853"/>
       </a:accent5>
       <a:accent6>
-        <a:srgbClr val="94A088"/>
+        <a:srgbClr val="62A39F"/>
       </a:accent6>
       <a:hlink>
-        <a:srgbClr val="2998E3"/>
+        <a:srgbClr val="6EAC1C"/>
       </a:hlink>
       <a:folHlink>
-        <a:srgbClr val="8C8C8C"/>
+        <a:srgbClr val="B26B02"/>
       </a:folHlink>
     </a:clrScheme>
     <a:fontScheme name="Retrospect">
